--- a/presentation.pptx
+++ b/presentation.pptx
@@ -42,23 +42,24 @@
     <p:sldId id="287" r:id="rId38"/>
     <p:sldId id="288" r:id="rId39"/>
     <p:sldId id="289" r:id="rId40"/>
+    <p:sldId id="290" r:id="rId41"/>
   </p:sldIdLst>
   <p:sldSz cy="6858000" cx="9144000"/>
   <p:notesSz cx="6858000" cy="9144000"/>
   <p:embeddedFontLst>
     <p:embeddedFont>
       <p:font typeface="Roboto"/>
-      <p:regular r:id="rId41"/>
-      <p:bold r:id="rId42"/>
-      <p:italic r:id="rId43"/>
-      <p:boldItalic r:id="rId44"/>
+      <p:regular r:id="rId42"/>
+      <p:bold r:id="rId43"/>
+      <p:italic r:id="rId44"/>
+      <p:boldItalic r:id="rId45"/>
     </p:embeddedFont>
     <p:embeddedFont>
       <p:font typeface="Book Antiqua"/>
-      <p:regular r:id="rId45"/>
-      <p:bold r:id="rId46"/>
-      <p:italic r:id="rId47"/>
-      <p:boldItalic r:id="rId48"/>
+      <p:regular r:id="rId46"/>
+      <p:bold r:id="rId47"/>
+      <p:italic r:id="rId48"/>
+      <p:boldItalic r:id="rId49"/>
     </p:embeddedFont>
   </p:embeddedFontLst>
   <p:defaultTextStyle>
@@ -4627,7 +4628,7 @@
       </p:grpSpPr>
       <p:sp>
         <p:nvSpPr>
-          <p:cNvPr id="289" name="Google Shape;289;g24e9268fe53_0_133:notes"/>
+          <p:cNvPr id="289" name="Google Shape;289;g251bbb6e69f_1_0:notes"/>
           <p:cNvSpPr txBox="1"/>
           <p:nvPr>
             <p:ph idx="1" type="body"/>
@@ -4663,19 +4664,15 @@
                   <a:schemeClr val="dk1"/>
                 </a:solidFill>
               </a:rPr>
-              <a:t>algoritmo scouting 1</a:t>
-            </a:r>
-            <a:endParaRPr>
-              <a:solidFill>
-                <a:schemeClr val="dk1"/>
-              </a:solidFill>
-            </a:endParaRPr>
+              <a:t>k-means</a:t>
+            </a:r>
+            <a:endParaRPr/>
           </a:p>
         </p:txBody>
       </p:sp>
       <p:sp>
         <p:nvSpPr>
-          <p:cNvPr id="290" name="Google Shape;290;g24e9268fe53_0_133:notes"/>
+          <p:cNvPr id="290" name="Google Shape;290;g251bbb6e69f_1_0:notes"/>
           <p:cNvSpPr/>
           <p:nvPr>
             <p:ph idx="2" type="sldImg"/>
@@ -4735,7 +4732,7 @@
       </p:grpSpPr>
       <p:sp>
         <p:nvSpPr>
-          <p:cNvPr id="295" name="Google Shape;295;g24e9268fe53_0_145:notes"/>
+          <p:cNvPr id="295" name="Google Shape;295;g24e9268fe53_0_133:notes"/>
           <p:cNvSpPr txBox="1"/>
           <p:nvPr>
             <p:ph idx="1" type="body"/>
@@ -4783,7 +4780,7 @@
       </p:sp>
       <p:sp>
         <p:nvSpPr>
-          <p:cNvPr id="296" name="Google Shape;296;g24e9268fe53_0_145:notes"/>
+          <p:cNvPr id="296" name="Google Shape;296;g24e9268fe53_0_133:notes"/>
           <p:cNvSpPr/>
           <p:nvPr>
             <p:ph idx="2" type="sldImg"/>
@@ -4843,7 +4840,7 @@
       </p:grpSpPr>
       <p:sp>
         <p:nvSpPr>
-          <p:cNvPr id="301" name="Google Shape;301;g24e9268fe53_0_151:notes"/>
+          <p:cNvPr id="301" name="Google Shape;301;g24e9268fe53_0_145:notes"/>
           <p:cNvSpPr txBox="1"/>
           <p:nvPr>
             <p:ph idx="1" type="body"/>
@@ -4891,7 +4888,7 @@
       </p:sp>
       <p:sp>
         <p:nvSpPr>
-          <p:cNvPr id="302" name="Google Shape;302;g24e9268fe53_0_151:notes"/>
+          <p:cNvPr id="302" name="Google Shape;302;g24e9268fe53_0_145:notes"/>
           <p:cNvSpPr/>
           <p:nvPr>
             <p:ph idx="2" type="sldImg"/>
@@ -4951,7 +4948,115 @@
       </p:grpSpPr>
       <p:sp>
         <p:nvSpPr>
-          <p:cNvPr id="307" name="Google Shape;307;g24f54a07abe_0_118:notes"/>
+          <p:cNvPr id="307" name="Google Shape;307;g24e9268fe53_0_151:notes"/>
+          <p:cNvSpPr txBox="1"/>
+          <p:nvPr>
+            <p:ph idx="1" type="body"/>
+          </p:nvPr>
+        </p:nvSpPr>
+        <p:spPr>
+          <a:xfrm>
+            <a:off x="914400" y="4343400"/>
+            <a:ext cx="5029200" cy="4114800"/>
+          </a:xfrm>
+          <a:prstGeom prst="rect">
+            <a:avLst/>
+          </a:prstGeom>
+        </p:spPr>
+        <p:txBody>
+          <a:bodyPr anchorCtr="0" anchor="t" bIns="45700" lIns="91425" spcFirstLastPara="1" rIns="91425" wrap="square" tIns="45700">
+            <a:noAutofit/>
+          </a:bodyPr>
+          <a:lstStyle/>
+          <a:p>
+            <a:pPr indent="0" lvl="0" marL="0" rtl="0" algn="l">
+              <a:spcBef>
+                <a:spcPts val="0"/>
+              </a:spcBef>
+              <a:spcAft>
+                <a:spcPts val="0"/>
+              </a:spcAft>
+              <a:buNone/>
+            </a:pPr>
+            <a:r>
+              <a:rPr lang="en-US">
+                <a:solidFill>
+                  <a:schemeClr val="dk1"/>
+                </a:solidFill>
+              </a:rPr>
+              <a:t>algoritmo scouting 1</a:t>
+            </a:r>
+            <a:endParaRPr>
+              <a:solidFill>
+                <a:schemeClr val="dk1"/>
+              </a:solidFill>
+            </a:endParaRPr>
+          </a:p>
+        </p:txBody>
+      </p:sp>
+      <p:sp>
+        <p:nvSpPr>
+          <p:cNvPr id="308" name="Google Shape;308;g24e9268fe53_0_151:notes"/>
+          <p:cNvSpPr/>
+          <p:nvPr>
+            <p:ph idx="2" type="sldImg"/>
+          </p:nvPr>
+        </p:nvSpPr>
+        <p:spPr>
+          <a:xfrm>
+            <a:off x="1143000" y="685800"/>
+            <a:ext cx="4572000" cy="3429000"/>
+          </a:xfrm>
+          <a:custGeom>
+            <a:rect b="b" l="l" r="r" t="t"/>
+            <a:pathLst>
+              <a:path extrusionOk="0" h="120000" w="120000">
+                <a:moveTo>
+                  <a:pt x="0" y="0"/>
+                </a:moveTo>
+                <a:lnTo>
+                  <a:pt x="120000" y="0"/>
+                </a:lnTo>
+                <a:lnTo>
+                  <a:pt x="120000" y="120000"/>
+                </a:lnTo>
+                <a:lnTo>
+                  <a:pt x="0" y="120000"/>
+                </a:lnTo>
+                <a:close/>
+              </a:path>
+            </a:pathLst>
+          </a:custGeom>
+        </p:spPr>
+      </p:sp>
+    </p:spTree>
+  </p:cSld>
+  <p:clrMapOvr>
+    <a:masterClrMapping/>
+  </p:clrMapOvr>
+</p:notes>
+</file>
+
+<file path=ppt/notesSlides/notesSlide35.xml><?xml version="1.0" encoding="utf-8"?>
+<p:notes xmlns:a="http://schemas.openxmlformats.org/drawingml/2006/main" xmlns:r="http://schemas.openxmlformats.org/officeDocument/2006/relationships" xmlns:mc="http://schemas.openxmlformats.org/markup-compatibility/2006" xmlns:mv="urn:schemas-microsoft-com:mac:vml" xmlns:p="http://schemas.openxmlformats.org/presentationml/2006/main" xmlns:c="http://schemas.openxmlformats.org/drawingml/2006/chart" xmlns:dgm="http://schemas.openxmlformats.org/drawingml/2006/diagram" xmlns:o="urn:schemas-microsoft-com:office:office" xmlns:v="urn:schemas-microsoft-com:vml" xmlns:pvml="urn:schemas-microsoft-com:office:powerpoint" xmlns:com="http://schemas.openxmlformats.org/drawingml/2006/compatibility" xmlns:p14="http://schemas.microsoft.com/office/powerpoint/2010/main" xmlns:p15="http://schemas.microsoft.com/office/powerpoint/2012/main" xmlns:ahyp="http://schemas.microsoft.com/office/drawing/2018/hyperlinkcolor" showMasterPhAnim="0" showMasterSp="0">
+  <p:cSld>
+    <p:spTree>
+      <p:nvGrpSpPr>
+        <p:cNvPr id="312" name="Shape 312"/>
+        <p:cNvGrpSpPr/>
+        <p:nvPr/>
+      </p:nvGrpSpPr>
+      <p:grpSpPr>
+        <a:xfrm>
+          <a:off x="0" y="0"/>
+          <a:ext cx="0" cy="0"/>
+          <a:chOff x="0" y="0"/>
+          <a:chExt cx="0" cy="0"/>
+        </a:xfrm>
+      </p:grpSpPr>
+      <p:sp>
+        <p:nvSpPr>
+          <p:cNvPr id="313" name="Google Shape;313;g24f54a07abe_0_118:notes"/>
           <p:cNvSpPr txBox="1"/>
           <p:nvPr/>
         </p:nvSpPr>
@@ -5017,7 +5122,7 @@
       </p:sp>
       <p:sp>
         <p:nvSpPr>
-          <p:cNvPr id="308" name="Google Shape;308;g24f54a07abe_0_118:notes"/>
+          <p:cNvPr id="314" name="Google Shape;314;g24f54a07abe_0_118:notes"/>
           <p:cNvSpPr/>
           <p:nvPr>
             <p:ph idx="2" type="sldImg"/>
@@ -5062,7 +5167,7 @@
       </p:sp>
       <p:sp>
         <p:nvSpPr>
-          <p:cNvPr id="309" name="Google Shape;309;g24f54a07abe_0_118:notes"/>
+          <p:cNvPr id="315" name="Google Shape;315;g24f54a07abe_0_118:notes"/>
           <p:cNvSpPr txBox="1"/>
           <p:nvPr>
             <p:ph idx="1" type="body"/>
@@ -16718,7 +16823,7 @@
             <a:tbl>
               <a:tblPr>
                 <a:noFill/>
-                <a:tableStyleId>{F542EB01-4ABB-45DF-8A5F-E97286B6DE63}</a:tableStyleId>
+                <a:tableStyleId>{43F5C59D-A337-4081-B17E-73ED7E832839}</a:tableStyleId>
               </a:tblPr>
               <a:tblGrid>
                 <a:gridCol w="2304475"/>
@@ -16777,7 +16882,7 @@
             <a:tbl>
               <a:tblPr>
                 <a:noFill/>
-                <a:tableStyleId>{F542EB01-4ABB-45DF-8A5F-E97286B6DE63}</a:tableStyleId>
+                <a:tableStyleId>{43F5C59D-A337-4081-B17E-73ED7E832839}</a:tableStyleId>
               </a:tblPr>
               <a:tblGrid>
                 <a:gridCol w="2304475"/>
@@ -16826,7 +16931,7 @@
             <a:tbl>
               <a:tblPr>
                 <a:noFill/>
-                <a:tableStyleId>{F542EB01-4ABB-45DF-8A5F-E97286B6DE63}</a:tableStyleId>
+                <a:tableStyleId>{43F5C59D-A337-4081-B17E-73ED7E832839}</a:tableStyleId>
               </a:tblPr>
               <a:tblGrid>
                 <a:gridCol w="2304475"/>
@@ -16875,7 +16980,7 @@
             <a:tbl>
               <a:tblPr>
                 <a:noFill/>
-                <a:tableStyleId>{F542EB01-4ABB-45DF-8A5F-E97286B6DE63}</a:tableStyleId>
+                <a:tableStyleId>{43F5C59D-A337-4081-B17E-73ED7E832839}</a:tableStyleId>
               </a:tblPr>
               <a:tblGrid>
                 <a:gridCol w="2304475"/>
@@ -16955,7 +17060,7 @@
             <a:tbl>
               <a:tblPr>
                 <a:noFill/>
-                <a:tableStyleId>{F542EB01-4ABB-45DF-8A5F-E97286B6DE63}</a:tableStyleId>
+                <a:tableStyleId>{43F5C59D-A337-4081-B17E-73ED7E832839}</a:tableStyleId>
               </a:tblPr>
               <a:tblGrid>
                 <a:gridCol w="2304475"/>
@@ -17463,7 +17568,7 @@
             <a:tbl>
               <a:tblPr>
                 <a:noFill/>
-                <a:tableStyleId>{F542EB01-4ABB-45DF-8A5F-E97286B6DE63}</a:tableStyleId>
+                <a:tableStyleId>{43F5C59D-A337-4081-B17E-73ED7E832839}</a:tableStyleId>
               </a:tblPr>
               <a:tblGrid>
                 <a:gridCol w="1123100"/>
@@ -17614,7 +17719,7 @@
             <a:tbl>
               <a:tblPr>
                 <a:noFill/>
-                <a:tableStyleId>{F542EB01-4ABB-45DF-8A5F-E97286B6DE63}</a:tableStyleId>
+                <a:tableStyleId>{43F5C59D-A337-4081-B17E-73ED7E832839}</a:tableStyleId>
               </a:tblPr>
               <a:tblGrid>
                 <a:gridCol w="1139675"/>
@@ -17765,7 +17870,7 @@
             <a:tbl>
               <a:tblPr>
                 <a:noFill/>
-                <a:tableStyleId>{F542EB01-4ABB-45DF-8A5F-E97286B6DE63}</a:tableStyleId>
+                <a:tableStyleId>{43F5C59D-A337-4081-B17E-73ED7E832839}</a:tableStyleId>
               </a:tblPr>
               <a:tblGrid>
                 <a:gridCol w="1123100"/>
@@ -20109,7 +20214,7 @@
         <p:spPr>
           <a:xfrm>
             <a:off x="587975" y="1078200"/>
-            <a:ext cx="7772400" cy="467400"/>
+            <a:ext cx="7772400" cy="650700"/>
           </a:xfrm>
           <a:prstGeom prst="rect">
             <a:avLst/>
@@ -20149,7 +20254,7 @@
                 <a:cs typeface="Book Antiqua"/>
                 <a:sym typeface="Book Antiqua"/>
               </a:rPr>
-              <a:t>First scouting algorithm</a:t>
+              <a:t>K-means result: percentage positions</a:t>
             </a:r>
             <a:endParaRPr sz="3000">
               <a:latin typeface="Book Antiqua"/>
@@ -20160,16 +20265,24 @@
           </a:p>
         </p:txBody>
       </p:sp>
-      <p:sp>
-        <p:nvSpPr>
+      <p:pic>
+        <p:nvPicPr>
           <p:cNvPr id="293" name="Google Shape;293;p46"/>
-          <p:cNvSpPr txBox="1"/>
+          <p:cNvPicPr preferRelativeResize="0"/>
           <p:nvPr/>
-        </p:nvSpPr>
+        </p:nvPicPr>
+        <p:blipFill>
+          <a:blip r:embed="rId3">
+            <a:alphaModFix/>
+          </a:blip>
+          <a:stretch>
+            <a:fillRect/>
+          </a:stretch>
+        </p:blipFill>
         <p:spPr>
           <a:xfrm>
-            <a:off x="414300" y="1692825"/>
-            <a:ext cx="8315400" cy="3401700"/>
+            <a:off x="317875" y="1690625"/>
+            <a:ext cx="8593700" cy="4468476"/>
           </a:xfrm>
           <a:prstGeom prst="rect">
             <a:avLst/>
@@ -20179,299 +20292,7 @@
             <a:noFill/>
           </a:ln>
         </p:spPr>
-        <p:txBody>
-          <a:bodyPr anchorCtr="0" anchor="t" bIns="91425" lIns="91425" spcFirstLastPara="1" rIns="91425" wrap="square" tIns="91425">
-            <a:spAutoFit/>
-          </a:bodyPr>
-          <a:lstStyle/>
-          <a:p>
-            <a:pPr indent="-349250" lvl="0" marL="457200" rtl="0" algn="l">
-              <a:spcBef>
-                <a:spcPts val="0"/>
-              </a:spcBef>
-              <a:spcAft>
-                <a:spcPts val="0"/>
-              </a:spcAft>
-              <a:buSzPts val="1900"/>
-              <a:buFont typeface="Book Antiqua"/>
-              <a:buChar char="●"/>
-            </a:pPr>
-            <a:r>
-              <a:rPr b="1" lang="en-US" sz="1900">
-                <a:latin typeface="Book Antiqua"/>
-                <a:ea typeface="Book Antiqua"/>
-                <a:cs typeface="Book Antiqua"/>
-                <a:sym typeface="Book Antiqua"/>
-              </a:rPr>
-              <a:t>Input</a:t>
-            </a:r>
-            <a:r>
-              <a:rPr lang="en-US" sz="1900">
-                <a:latin typeface="Book Antiqua"/>
-                <a:ea typeface="Book Antiqua"/>
-                <a:cs typeface="Book Antiqua"/>
-                <a:sym typeface="Book Antiqua"/>
-              </a:rPr>
-              <a:t>: player with age &gt; 25;</a:t>
-            </a:r>
-            <a:endParaRPr sz="1900">
-              <a:latin typeface="Book Antiqua"/>
-              <a:ea typeface="Book Antiqua"/>
-              <a:cs typeface="Book Antiqua"/>
-              <a:sym typeface="Book Antiqua"/>
-            </a:endParaRPr>
-          </a:p>
-          <a:p>
-            <a:pPr indent="-349250" lvl="0" marL="457200" rtl="0" algn="l">
-              <a:spcBef>
-                <a:spcPts val="0"/>
-              </a:spcBef>
-              <a:spcAft>
-                <a:spcPts val="0"/>
-              </a:spcAft>
-              <a:buSzPts val="1900"/>
-              <a:buFont typeface="Book Antiqua"/>
-              <a:buChar char="●"/>
-            </a:pPr>
-            <a:r>
-              <a:rPr lang="en-US" sz="1900">
-                <a:latin typeface="Book Antiqua"/>
-                <a:ea typeface="Book Antiqua"/>
-                <a:cs typeface="Book Antiqua"/>
-                <a:sym typeface="Book Antiqua"/>
-              </a:rPr>
-              <a:t>For each cluster (of  the df with age &lt;= 25) based on the elements that compose it, </a:t>
-            </a:r>
-            <a:r>
-              <a:rPr lang="en-US" sz="1900">
-                <a:latin typeface="Book Antiqua"/>
-                <a:ea typeface="Book Antiqua"/>
-                <a:cs typeface="Book Antiqua"/>
-                <a:sym typeface="Book Antiqua"/>
-              </a:rPr>
-              <a:t>the mean, or mode, is calculated for each feature;</a:t>
-            </a:r>
-            <a:endParaRPr sz="1900">
-              <a:latin typeface="Book Antiqua"/>
-              <a:ea typeface="Book Antiqua"/>
-              <a:cs typeface="Book Antiqua"/>
-              <a:sym typeface="Book Antiqua"/>
-            </a:endParaRPr>
-          </a:p>
-          <a:p>
-            <a:pPr indent="-349250" lvl="0" marL="457200" rtl="0" algn="l">
-              <a:spcBef>
-                <a:spcPts val="0"/>
-              </a:spcBef>
-              <a:spcAft>
-                <a:spcPts val="0"/>
-              </a:spcAft>
-              <a:buSzPts val="1900"/>
-              <a:buFont typeface="Book Antiqua"/>
-              <a:buChar char="●"/>
-            </a:pPr>
-            <a:r>
-              <a:rPr lang="en-US" sz="1900">
-                <a:latin typeface="Book Antiqua"/>
-                <a:ea typeface="Book Antiqua"/>
-                <a:cs typeface="Book Antiqua"/>
-                <a:sym typeface="Book Antiqua"/>
-              </a:rPr>
-              <a:t>Cosine similarity is used to identify the most similar cluster;</a:t>
-            </a:r>
-            <a:br>
-              <a:rPr lang="en-US" sz="1900">
-                <a:latin typeface="Book Antiqua"/>
-                <a:ea typeface="Book Antiqua"/>
-                <a:cs typeface="Book Antiqua"/>
-                <a:sym typeface="Book Antiqua"/>
-              </a:rPr>
-            </a:br>
-            <a:r>
-              <a:rPr i="1" lang="en-US" sz="1900">
-                <a:latin typeface="Book Antiqua"/>
-                <a:ea typeface="Book Antiqua"/>
-                <a:cs typeface="Book Antiqua"/>
-                <a:sym typeface="Book Antiqua"/>
-              </a:rPr>
-              <a:t>cosine_similarity(v1,v2) = dot_product(v1, v2) / (norm(v1) * norm(v2))</a:t>
-            </a:r>
-            <a:endParaRPr i="1" sz="1900">
-              <a:latin typeface="Book Antiqua"/>
-              <a:ea typeface="Book Antiqua"/>
-              <a:cs typeface="Book Antiqua"/>
-              <a:sym typeface="Book Antiqua"/>
-            </a:endParaRPr>
-          </a:p>
-          <a:p>
-            <a:pPr indent="-349250" lvl="0" marL="457200" rtl="0" algn="l">
-              <a:spcBef>
-                <a:spcPts val="0"/>
-              </a:spcBef>
-              <a:spcAft>
-                <a:spcPts val="0"/>
-              </a:spcAft>
-              <a:buSzPts val="1900"/>
-              <a:buFont typeface="Book Antiqua"/>
-              <a:buChar char="●"/>
-            </a:pPr>
-            <a:r>
-              <a:rPr b="1" lang="en-US" sz="1900">
-                <a:latin typeface="Book Antiqua"/>
-                <a:ea typeface="Book Antiqua"/>
-                <a:cs typeface="Book Antiqua"/>
-                <a:sym typeface="Book Antiqua"/>
-              </a:rPr>
-              <a:t>Output</a:t>
-            </a:r>
-            <a:r>
-              <a:rPr lang="en-US" sz="1900">
-                <a:latin typeface="Book Antiqua"/>
-                <a:ea typeface="Book Antiqua"/>
-                <a:cs typeface="Book Antiqua"/>
-                <a:sym typeface="Book Antiqua"/>
-              </a:rPr>
-              <a:t>: the cluster most similar to the player given in input;</a:t>
-            </a:r>
-            <a:endParaRPr sz="1900">
-              <a:latin typeface="Book Antiqua"/>
-              <a:ea typeface="Book Antiqua"/>
-              <a:cs typeface="Book Antiqua"/>
-              <a:sym typeface="Book Antiqua"/>
-            </a:endParaRPr>
-          </a:p>
-          <a:p>
-            <a:pPr indent="0" lvl="0" marL="0" rtl="0" algn="l">
-              <a:spcBef>
-                <a:spcPts val="0"/>
-              </a:spcBef>
-              <a:spcAft>
-                <a:spcPts val="0"/>
-              </a:spcAft>
-              <a:buNone/>
-            </a:pPr>
-            <a:r>
-              <a:t/>
-            </a:r>
-            <a:endParaRPr sz="1900">
-              <a:latin typeface="Book Antiqua"/>
-              <a:ea typeface="Book Antiqua"/>
-              <a:cs typeface="Book Antiqua"/>
-              <a:sym typeface="Book Antiqua"/>
-            </a:endParaRPr>
-          </a:p>
-          <a:p>
-            <a:pPr indent="0" lvl="0" marL="0" rtl="0" algn="l">
-              <a:spcBef>
-                <a:spcPts val="0"/>
-              </a:spcBef>
-              <a:spcAft>
-                <a:spcPts val="0"/>
-              </a:spcAft>
-              <a:buNone/>
-            </a:pPr>
-            <a:r>
-              <a:t/>
-            </a:r>
-            <a:endParaRPr sz="1900">
-              <a:latin typeface="Book Antiqua"/>
-              <a:ea typeface="Book Antiqua"/>
-              <a:cs typeface="Book Antiqua"/>
-              <a:sym typeface="Book Antiqua"/>
-            </a:endParaRPr>
-          </a:p>
-          <a:p>
-            <a:pPr indent="0" lvl="0" marL="0" rtl="0" algn="l">
-              <a:spcBef>
-                <a:spcPts val="0"/>
-              </a:spcBef>
-              <a:spcAft>
-                <a:spcPts val="0"/>
-              </a:spcAft>
-              <a:buNone/>
-            </a:pPr>
-            <a:r>
-              <a:rPr b="1" lang="en-US" sz="1900">
-                <a:latin typeface="Book Antiqua"/>
-                <a:ea typeface="Book Antiqua"/>
-                <a:cs typeface="Book Antiqua"/>
-                <a:sym typeface="Book Antiqua"/>
-              </a:rPr>
-              <a:t>Strength:</a:t>
-            </a:r>
-            <a:r>
-              <a:rPr lang="en-US" sz="1900">
-                <a:latin typeface="Book Antiqua"/>
-                <a:ea typeface="Book Antiqua"/>
-                <a:cs typeface="Book Antiqua"/>
-                <a:sym typeface="Book Antiqua"/>
-              </a:rPr>
-              <a:t> it always return a cluster;</a:t>
-            </a:r>
-            <a:endParaRPr sz="1900">
-              <a:latin typeface="Book Antiqua"/>
-              <a:ea typeface="Book Antiqua"/>
-              <a:cs typeface="Book Antiqua"/>
-              <a:sym typeface="Book Antiqua"/>
-            </a:endParaRPr>
-          </a:p>
-          <a:p>
-            <a:pPr indent="0" lvl="0" marL="0" rtl="0" algn="l">
-              <a:spcBef>
-                <a:spcPts val="0"/>
-              </a:spcBef>
-              <a:spcAft>
-                <a:spcPts val="0"/>
-              </a:spcAft>
-              <a:buNone/>
-            </a:pPr>
-            <a:r>
-              <a:t/>
-            </a:r>
-            <a:endParaRPr sz="1900">
-              <a:latin typeface="Book Antiqua"/>
-              <a:ea typeface="Book Antiqua"/>
-              <a:cs typeface="Book Antiqua"/>
-              <a:sym typeface="Book Antiqua"/>
-            </a:endParaRPr>
-          </a:p>
-          <a:p>
-            <a:pPr indent="0" lvl="0" marL="0" rtl="0" algn="l">
-              <a:spcBef>
-                <a:spcPts val="0"/>
-              </a:spcBef>
-              <a:spcAft>
-                <a:spcPts val="0"/>
-              </a:spcAft>
-              <a:buNone/>
-            </a:pPr>
-            <a:r>
-              <a:rPr b="1" lang="en-US" sz="1900">
-                <a:latin typeface="Book Antiqua"/>
-                <a:ea typeface="Book Antiqua"/>
-                <a:cs typeface="Book Antiqua"/>
-                <a:sym typeface="Book Antiqua"/>
-              </a:rPr>
-              <a:t>Weakness: </a:t>
-            </a:r>
-            <a:r>
-              <a:rPr lang="en-US" sz="1900">
-                <a:latin typeface="Book Antiqua"/>
-                <a:ea typeface="Book Antiqua"/>
-                <a:cs typeface="Book Antiqua"/>
-                <a:sym typeface="Book Antiqua"/>
-              </a:rPr>
-              <a:t>it returns the cluster most similar in feature values. </a:t>
-            </a:r>
-            <a:endParaRPr sz="1900">
-              <a:latin typeface="Book Antiqua"/>
-              <a:ea typeface="Book Antiqua"/>
-              <a:cs typeface="Book Antiqua"/>
-              <a:sym typeface="Book Antiqua"/>
-            </a:endParaRPr>
-          </a:p>
-        </p:txBody>
-      </p:sp>
+      </p:pic>
     </p:spTree>
   </p:cSld>
   <p:clrMapOvr>
@@ -20548,16 +20369,7 @@
                 <a:cs typeface="Book Antiqua"/>
                 <a:sym typeface="Book Antiqua"/>
               </a:rPr>
-              <a:t>Second </a:t>
-            </a:r>
-            <a:r>
-              <a:rPr lang="en-US" sz="3000">
-                <a:latin typeface="Book Antiqua"/>
-                <a:ea typeface="Book Antiqua"/>
-                <a:cs typeface="Book Antiqua"/>
-                <a:sym typeface="Book Antiqua"/>
-              </a:rPr>
-              <a:t>scouting algorithm (1)</a:t>
+              <a:t>First scouting algorithm</a:t>
             </a:r>
             <a:endParaRPr sz="3000">
               <a:latin typeface="Book Antiqua"/>
@@ -20577,7 +20389,7 @@
         <p:spPr>
           <a:xfrm>
             <a:off x="414300" y="1692825"/>
-            <a:ext cx="8315400" cy="4279200"/>
+            <a:ext cx="8315400" cy="3401700"/>
           </a:xfrm>
           <a:prstGeom prst="rect">
             <a:avLst/>
@@ -20620,7 +20432,7 @@
                 <a:cs typeface="Book Antiqua"/>
                 <a:sym typeface="Book Antiqua"/>
               </a:rPr>
-              <a:t>: player with age &gt; 25, min_value, max_value;</a:t>
+              <a:t>: player with age &gt; 25;</a:t>
             </a:r>
             <a:endParaRPr sz="1900">
               <a:latin typeface="Book Antiqua"/>
@@ -20648,7 +20460,7 @@
                 <a:cs typeface="Book Antiqua"/>
                 <a:sym typeface="Book Antiqua"/>
               </a:rPr>
-              <a:t>For each cluster </a:t>
+              <a:t>For each cluster (of  the df with age &lt;= 25) based on the elements that compose it, </a:t>
             </a:r>
             <a:r>
               <a:rPr lang="en-US" sz="1900">
@@ -20657,33 +20469,7 @@
                 <a:cs typeface="Book Antiqua"/>
                 <a:sym typeface="Book Antiqua"/>
               </a:rPr>
-              <a:t>perform</a:t>
-            </a:r>
-            <a:r>
-              <a:rPr lang="en-US" sz="1900">
-                <a:latin typeface="Book Antiqua"/>
-                <a:ea typeface="Book Antiqua"/>
-                <a:cs typeface="Book Antiqua"/>
-                <a:sym typeface="Book Antiqua"/>
-              </a:rPr>
-              <a:t> a filter with the following controls:</a:t>
-            </a:r>
-            <a:br>
-              <a:rPr lang="en-US" sz="1900">
-                <a:latin typeface="Book Antiqua"/>
-                <a:ea typeface="Book Antiqua"/>
-                <a:cs typeface="Book Antiqua"/>
-                <a:sym typeface="Book Antiqua"/>
-              </a:rPr>
-            </a:br>
-            <a:r>
-              <a:rPr lang="en-US" sz="1900">
-                <a:latin typeface="Book Antiqua"/>
-                <a:ea typeface="Book Antiqua"/>
-                <a:cs typeface="Book Antiqua"/>
-                <a:sym typeface="Book Antiqua"/>
-              </a:rPr>
-              <a:t>- check if the cluster has the same position, sub position and preferred foot as the input player;</a:t>
+              <a:t>the mean, or mode, is calculated for each feature;</a:t>
             </a:r>
             <a:endParaRPr sz="1900">
               <a:latin typeface="Book Antiqua"/>
@@ -20693,14 +20479,16 @@
             </a:endParaRPr>
           </a:p>
           <a:p>
-            <a:pPr indent="0" lvl="0" marL="457200" rtl="0" algn="l">
-              <a:spcBef>
-                <a:spcPts val="0"/>
-              </a:spcBef>
-              <a:spcAft>
-                <a:spcPts val="0"/>
-              </a:spcAft>
-              <a:buNone/>
+            <a:pPr indent="-349250" lvl="0" marL="457200" rtl="0" algn="l">
+              <a:spcBef>
+                <a:spcPts val="0"/>
+              </a:spcBef>
+              <a:spcAft>
+                <a:spcPts val="0"/>
+              </a:spcAft>
+              <a:buSzPts val="1900"/>
+              <a:buFont typeface="Book Antiqua"/>
+              <a:buChar char="●"/>
             </a:pPr>
             <a:r>
               <a:rPr lang="en-US" sz="1900">
@@ -20709,7 +20497,61 @@
                 <a:cs typeface="Book Antiqua"/>
                 <a:sym typeface="Book Antiqua"/>
               </a:rPr>
-              <a:t>- check if the cluster has a height that does not differ by more than 10 cm from the input player;</a:t>
+              <a:t>Cosine similarity is used to identify the most similar cluster;</a:t>
+            </a:r>
+            <a:br>
+              <a:rPr lang="en-US" sz="1900">
+                <a:latin typeface="Book Antiqua"/>
+                <a:ea typeface="Book Antiqua"/>
+                <a:cs typeface="Book Antiqua"/>
+                <a:sym typeface="Book Antiqua"/>
+              </a:rPr>
+            </a:br>
+            <a:r>
+              <a:rPr i="1" lang="en-US" sz="1900">
+                <a:latin typeface="Book Antiqua"/>
+                <a:ea typeface="Book Antiqua"/>
+                <a:cs typeface="Book Antiqua"/>
+                <a:sym typeface="Book Antiqua"/>
+              </a:rPr>
+              <a:t>cosine_similarity(v1,v2) = dot_product(v1, v2) / (norm(v1) * norm(v2))</a:t>
+            </a:r>
+            <a:endParaRPr i="1" sz="1900">
+              <a:latin typeface="Book Antiqua"/>
+              <a:ea typeface="Book Antiqua"/>
+              <a:cs typeface="Book Antiqua"/>
+              <a:sym typeface="Book Antiqua"/>
+            </a:endParaRPr>
+          </a:p>
+          <a:p>
+            <a:pPr indent="-349250" lvl="0" marL="457200" rtl="0" algn="l">
+              <a:spcBef>
+                <a:spcPts val="0"/>
+              </a:spcBef>
+              <a:spcAft>
+                <a:spcPts val="0"/>
+              </a:spcAft>
+              <a:buSzPts val="1900"/>
+              <a:buFont typeface="Book Antiqua"/>
+              <a:buChar char="●"/>
+            </a:pPr>
+            <a:r>
+              <a:rPr b="1" lang="en-US" sz="1900">
+                <a:latin typeface="Book Antiqua"/>
+                <a:ea typeface="Book Antiqua"/>
+                <a:cs typeface="Book Antiqua"/>
+                <a:sym typeface="Book Antiqua"/>
+              </a:rPr>
+              <a:t>Output</a:t>
+            </a:r>
+            <a:r>
+              <a:rPr lang="en-US" sz="1900">
+                <a:latin typeface="Book Antiqua"/>
+                <a:ea typeface="Book Antiqua"/>
+                <a:cs typeface="Book Antiqua"/>
+                <a:sym typeface="Book Antiqua"/>
+              </a:rPr>
+              <a:t>: the cluster most similar to the player given in input;</a:t>
             </a:r>
             <a:endParaRPr sz="1900">
               <a:latin typeface="Book Antiqua"/>
@@ -20719,23 +20561,17 @@
             </a:endParaRPr>
           </a:p>
           <a:p>
-            <a:pPr indent="0" lvl="0" marL="457200" rtl="0" algn="l">
-              <a:spcBef>
-                <a:spcPts val="0"/>
-              </a:spcBef>
-              <a:spcAft>
-                <a:spcPts val="0"/>
-              </a:spcAft>
-              <a:buNone/>
-            </a:pPr>
-            <a:r>
-              <a:rPr lang="en-US" sz="1900">
-                <a:latin typeface="Book Antiqua"/>
-                <a:ea typeface="Book Antiqua"/>
-                <a:cs typeface="Book Antiqua"/>
-                <a:sym typeface="Book Antiqua"/>
-              </a:rPr>
-              <a:t>- check if the cluster has a market value between min_value e max value; </a:t>
+            <a:pPr indent="0" lvl="0" marL="0" rtl="0" algn="l">
+              <a:spcBef>
+                <a:spcPts val="0"/>
+              </a:spcBef>
+              <a:spcAft>
+                <a:spcPts val="0"/>
+              </a:spcAft>
+              <a:buNone/>
+            </a:pPr>
+            <a:r>
+              <a:t/>
             </a:r>
             <a:endParaRPr sz="1900">
               <a:latin typeface="Book Antiqua"/>
@@ -20745,23 +20581,17 @@
             </a:endParaRPr>
           </a:p>
           <a:p>
-            <a:pPr indent="0" lvl="0" marL="457200" rtl="0" algn="l">
-              <a:spcBef>
-                <a:spcPts val="0"/>
-              </a:spcBef>
-              <a:spcAft>
-                <a:spcPts val="0"/>
-              </a:spcAft>
-              <a:buNone/>
-            </a:pPr>
-            <a:r>
-              <a:rPr lang="en-US" sz="1900">
-                <a:latin typeface="Book Antiqua"/>
-                <a:ea typeface="Book Antiqua"/>
-                <a:cs typeface="Book Antiqua"/>
-                <a:sym typeface="Book Antiqua"/>
-              </a:rPr>
-              <a:t>- check if the cluster has a skill moves value that does not differ by more than 2 points from the player.</a:t>
+            <a:pPr indent="0" lvl="0" marL="0" rtl="0" algn="l">
+              <a:spcBef>
+                <a:spcPts val="0"/>
+              </a:spcBef>
+              <a:spcAft>
+                <a:spcPts val="0"/>
+              </a:spcAft>
+              <a:buNone/>
+            </a:pPr>
+            <a:r>
+              <a:t/>
             </a:r>
             <a:endParaRPr sz="1900">
               <a:latin typeface="Book Antiqua"/>
@@ -20771,17 +20601,24 @@
             </a:endParaRPr>
           </a:p>
           <a:p>
-            <a:pPr indent="-349250" lvl="0" marL="457200" rtl="0" algn="l">
-              <a:spcBef>
-                <a:spcPts val="0"/>
-              </a:spcBef>
-              <a:spcAft>
-                <a:spcPts val="0"/>
-              </a:spcAft>
-              <a:buSzPts val="1900"/>
-              <a:buFont typeface="Book Antiqua"/>
-              <a:buChar char="●"/>
-            </a:pPr>
+            <a:pPr indent="0" lvl="0" marL="0" rtl="0" algn="l">
+              <a:spcBef>
+                <a:spcPts val="0"/>
+              </a:spcBef>
+              <a:spcAft>
+                <a:spcPts val="0"/>
+              </a:spcAft>
+              <a:buNone/>
+            </a:pPr>
+            <a:r>
+              <a:rPr b="1" lang="en-US" sz="1900">
+                <a:latin typeface="Book Antiqua"/>
+                <a:ea typeface="Book Antiqua"/>
+                <a:cs typeface="Book Antiqua"/>
+                <a:sym typeface="Book Antiqua"/>
+              </a:rPr>
+              <a:t>Strength:</a:t>
+            </a:r>
             <a:r>
               <a:rPr lang="en-US" sz="1900">
                 <a:latin typeface="Book Antiqua"/>
@@ -20789,7 +20626,7 @@
                 <a:cs typeface="Book Antiqua"/>
                 <a:sym typeface="Book Antiqua"/>
               </a:rPr>
-              <a:t>Sort the numerical features of the player and of the clusters in descending order by values;</a:t>
+              <a:t> it always return a cluster;</a:t>
             </a:r>
             <a:endParaRPr sz="1900">
               <a:latin typeface="Book Antiqua"/>
@@ -20799,16 +20636,34 @@
             </a:endParaRPr>
           </a:p>
           <a:p>
-            <a:pPr indent="-349250" lvl="0" marL="457200" rtl="0" algn="l">
-              <a:spcBef>
-                <a:spcPts val="0"/>
-              </a:spcBef>
-              <a:spcAft>
-                <a:spcPts val="0"/>
-              </a:spcAft>
-              <a:buSzPts val="1900"/>
-              <a:buFont typeface="Book Antiqua"/>
-              <a:buChar char="●"/>
+            <a:pPr indent="0" lvl="0" marL="0" rtl="0" algn="l">
+              <a:spcBef>
+                <a:spcPts val="0"/>
+              </a:spcBef>
+              <a:spcAft>
+                <a:spcPts val="0"/>
+              </a:spcAft>
+              <a:buNone/>
+            </a:pPr>
+            <a:r>
+              <a:t/>
+            </a:r>
+            <a:endParaRPr sz="1900">
+              <a:latin typeface="Book Antiqua"/>
+              <a:ea typeface="Book Antiqua"/>
+              <a:cs typeface="Book Antiqua"/>
+              <a:sym typeface="Book Antiqua"/>
+            </a:endParaRPr>
+          </a:p>
+          <a:p>
+            <a:pPr indent="0" lvl="0" marL="0" rtl="0" algn="l">
+              <a:spcBef>
+                <a:spcPts val="0"/>
+              </a:spcBef>
+              <a:spcAft>
+                <a:spcPts val="0"/>
+              </a:spcAft>
+              <a:buNone/>
             </a:pPr>
             <a:r>
               <a:rPr b="1" lang="en-US" sz="1900">
@@ -20817,7 +20672,7 @@
                 <a:cs typeface="Book Antiqua"/>
                 <a:sym typeface="Book Antiqua"/>
               </a:rPr>
-              <a:t>Output:</a:t>
+              <a:t>Weakness: </a:t>
             </a:r>
             <a:r>
               <a:rPr lang="en-US" sz="1900">
@@ -20826,7 +20681,7 @@
                 <a:cs typeface="Book Antiqua"/>
                 <a:sym typeface="Book Antiqua"/>
               </a:rPr>
-              <a:t> the cluster(s) that have the same first x features as those of the input player;</a:t>
+              <a:t>it returns the cluster most similar in feature values. </a:t>
             </a:r>
             <a:endParaRPr sz="1900">
               <a:latin typeface="Book Antiqua"/>
@@ -20913,7 +20768,16 @@
                 <a:cs typeface="Book Antiqua"/>
                 <a:sym typeface="Book Antiqua"/>
               </a:rPr>
-              <a:t>Second scouting algorithm (2)</a:t>
+              <a:t>Second </a:t>
+            </a:r>
+            <a:r>
+              <a:rPr lang="en-US" sz="3000">
+                <a:latin typeface="Book Antiqua"/>
+                <a:ea typeface="Book Antiqua"/>
+                <a:cs typeface="Book Antiqua"/>
+                <a:sym typeface="Book Antiqua"/>
+              </a:rPr>
+              <a:t>scouting algorithm (1)</a:t>
             </a:r>
             <a:endParaRPr sz="3000">
               <a:latin typeface="Book Antiqua"/>
@@ -20927,6 +20791,362 @@
       <p:sp>
         <p:nvSpPr>
           <p:cNvPr id="305" name="Google Shape;305;p48"/>
+          <p:cNvSpPr txBox="1"/>
+          <p:nvPr/>
+        </p:nvSpPr>
+        <p:spPr>
+          <a:xfrm>
+            <a:off x="414300" y="1692825"/>
+            <a:ext cx="8315400" cy="4279200"/>
+          </a:xfrm>
+          <a:prstGeom prst="rect">
+            <a:avLst/>
+          </a:prstGeom>
+          <a:noFill/>
+          <a:ln>
+            <a:noFill/>
+          </a:ln>
+        </p:spPr>
+        <p:txBody>
+          <a:bodyPr anchorCtr="0" anchor="t" bIns="91425" lIns="91425" spcFirstLastPara="1" rIns="91425" wrap="square" tIns="91425">
+            <a:spAutoFit/>
+          </a:bodyPr>
+          <a:lstStyle/>
+          <a:p>
+            <a:pPr indent="-349250" lvl="0" marL="457200" rtl="0" algn="l">
+              <a:spcBef>
+                <a:spcPts val="0"/>
+              </a:spcBef>
+              <a:spcAft>
+                <a:spcPts val="0"/>
+              </a:spcAft>
+              <a:buSzPts val="1900"/>
+              <a:buFont typeface="Book Antiqua"/>
+              <a:buChar char="●"/>
+            </a:pPr>
+            <a:r>
+              <a:rPr b="1" lang="en-US" sz="1900">
+                <a:latin typeface="Book Antiqua"/>
+                <a:ea typeface="Book Antiqua"/>
+                <a:cs typeface="Book Antiqua"/>
+                <a:sym typeface="Book Antiqua"/>
+              </a:rPr>
+              <a:t>Input</a:t>
+            </a:r>
+            <a:r>
+              <a:rPr lang="en-US" sz="1900">
+                <a:latin typeface="Book Antiqua"/>
+                <a:ea typeface="Book Antiqua"/>
+                <a:cs typeface="Book Antiqua"/>
+                <a:sym typeface="Book Antiqua"/>
+              </a:rPr>
+              <a:t>: player with age &gt; 25, min_value, max_value;</a:t>
+            </a:r>
+            <a:endParaRPr sz="1900">
+              <a:latin typeface="Book Antiqua"/>
+              <a:ea typeface="Book Antiqua"/>
+              <a:cs typeface="Book Antiqua"/>
+              <a:sym typeface="Book Antiqua"/>
+            </a:endParaRPr>
+          </a:p>
+          <a:p>
+            <a:pPr indent="-349250" lvl="0" marL="457200" rtl="0" algn="l">
+              <a:spcBef>
+                <a:spcPts val="0"/>
+              </a:spcBef>
+              <a:spcAft>
+                <a:spcPts val="0"/>
+              </a:spcAft>
+              <a:buSzPts val="1900"/>
+              <a:buFont typeface="Book Antiqua"/>
+              <a:buChar char="●"/>
+            </a:pPr>
+            <a:r>
+              <a:rPr lang="en-US" sz="1900">
+                <a:latin typeface="Book Antiqua"/>
+                <a:ea typeface="Book Antiqua"/>
+                <a:cs typeface="Book Antiqua"/>
+                <a:sym typeface="Book Antiqua"/>
+              </a:rPr>
+              <a:t>For each cluster </a:t>
+            </a:r>
+            <a:r>
+              <a:rPr lang="en-US" sz="1900">
+                <a:latin typeface="Book Antiqua"/>
+                <a:ea typeface="Book Antiqua"/>
+                <a:cs typeface="Book Antiqua"/>
+                <a:sym typeface="Book Antiqua"/>
+              </a:rPr>
+              <a:t>perform</a:t>
+            </a:r>
+            <a:r>
+              <a:rPr lang="en-US" sz="1900">
+                <a:latin typeface="Book Antiqua"/>
+                <a:ea typeface="Book Antiqua"/>
+                <a:cs typeface="Book Antiqua"/>
+                <a:sym typeface="Book Antiqua"/>
+              </a:rPr>
+              <a:t> a filter with the following controls:</a:t>
+            </a:r>
+            <a:br>
+              <a:rPr lang="en-US" sz="1900">
+                <a:latin typeface="Book Antiqua"/>
+                <a:ea typeface="Book Antiqua"/>
+                <a:cs typeface="Book Antiqua"/>
+                <a:sym typeface="Book Antiqua"/>
+              </a:rPr>
+            </a:br>
+            <a:r>
+              <a:rPr lang="en-US" sz="1900">
+                <a:latin typeface="Book Antiqua"/>
+                <a:ea typeface="Book Antiqua"/>
+                <a:cs typeface="Book Antiqua"/>
+                <a:sym typeface="Book Antiqua"/>
+              </a:rPr>
+              <a:t>- check if the cluster has the same position, sub position and preferred foot as the input player;</a:t>
+            </a:r>
+            <a:endParaRPr sz="1900">
+              <a:latin typeface="Book Antiqua"/>
+              <a:ea typeface="Book Antiqua"/>
+              <a:cs typeface="Book Antiqua"/>
+              <a:sym typeface="Book Antiqua"/>
+            </a:endParaRPr>
+          </a:p>
+          <a:p>
+            <a:pPr indent="0" lvl="0" marL="457200" rtl="0" algn="l">
+              <a:spcBef>
+                <a:spcPts val="0"/>
+              </a:spcBef>
+              <a:spcAft>
+                <a:spcPts val="0"/>
+              </a:spcAft>
+              <a:buNone/>
+            </a:pPr>
+            <a:r>
+              <a:rPr lang="en-US" sz="1900">
+                <a:latin typeface="Book Antiqua"/>
+                <a:ea typeface="Book Antiqua"/>
+                <a:cs typeface="Book Antiqua"/>
+                <a:sym typeface="Book Antiqua"/>
+              </a:rPr>
+              <a:t>- check if the cluster has a height that does not differ by more than 10 cm from the input player;</a:t>
+            </a:r>
+            <a:endParaRPr sz="1900">
+              <a:latin typeface="Book Antiqua"/>
+              <a:ea typeface="Book Antiqua"/>
+              <a:cs typeface="Book Antiqua"/>
+              <a:sym typeface="Book Antiqua"/>
+            </a:endParaRPr>
+          </a:p>
+          <a:p>
+            <a:pPr indent="0" lvl="0" marL="457200" rtl="0" algn="l">
+              <a:spcBef>
+                <a:spcPts val="0"/>
+              </a:spcBef>
+              <a:spcAft>
+                <a:spcPts val="0"/>
+              </a:spcAft>
+              <a:buNone/>
+            </a:pPr>
+            <a:r>
+              <a:rPr lang="en-US" sz="1900">
+                <a:latin typeface="Book Antiqua"/>
+                <a:ea typeface="Book Antiqua"/>
+                <a:cs typeface="Book Antiqua"/>
+                <a:sym typeface="Book Antiqua"/>
+              </a:rPr>
+              <a:t>- check if the cluster has a market value between min_value e max value; </a:t>
+            </a:r>
+            <a:endParaRPr sz="1900">
+              <a:latin typeface="Book Antiqua"/>
+              <a:ea typeface="Book Antiqua"/>
+              <a:cs typeface="Book Antiqua"/>
+              <a:sym typeface="Book Antiqua"/>
+            </a:endParaRPr>
+          </a:p>
+          <a:p>
+            <a:pPr indent="0" lvl="0" marL="457200" rtl="0" algn="l">
+              <a:spcBef>
+                <a:spcPts val="0"/>
+              </a:spcBef>
+              <a:spcAft>
+                <a:spcPts val="0"/>
+              </a:spcAft>
+              <a:buNone/>
+            </a:pPr>
+            <a:r>
+              <a:rPr lang="en-US" sz="1900">
+                <a:latin typeface="Book Antiqua"/>
+                <a:ea typeface="Book Antiqua"/>
+                <a:cs typeface="Book Antiqua"/>
+                <a:sym typeface="Book Antiqua"/>
+              </a:rPr>
+              <a:t>- check if the cluster has a skill moves value that does not differ by more than 2 points from the player.</a:t>
+            </a:r>
+            <a:endParaRPr sz="1900">
+              <a:latin typeface="Book Antiqua"/>
+              <a:ea typeface="Book Antiqua"/>
+              <a:cs typeface="Book Antiqua"/>
+              <a:sym typeface="Book Antiqua"/>
+            </a:endParaRPr>
+          </a:p>
+          <a:p>
+            <a:pPr indent="-349250" lvl="0" marL="457200" rtl="0" algn="l">
+              <a:spcBef>
+                <a:spcPts val="0"/>
+              </a:spcBef>
+              <a:spcAft>
+                <a:spcPts val="0"/>
+              </a:spcAft>
+              <a:buSzPts val="1900"/>
+              <a:buFont typeface="Book Antiqua"/>
+              <a:buChar char="●"/>
+            </a:pPr>
+            <a:r>
+              <a:rPr lang="en-US" sz="1900">
+                <a:latin typeface="Book Antiqua"/>
+                <a:ea typeface="Book Antiqua"/>
+                <a:cs typeface="Book Antiqua"/>
+                <a:sym typeface="Book Antiqua"/>
+              </a:rPr>
+              <a:t>Sort the numerical features of the player and of the clusters in descending order by values;</a:t>
+            </a:r>
+            <a:endParaRPr sz="1900">
+              <a:latin typeface="Book Antiqua"/>
+              <a:ea typeface="Book Antiqua"/>
+              <a:cs typeface="Book Antiqua"/>
+              <a:sym typeface="Book Antiqua"/>
+            </a:endParaRPr>
+          </a:p>
+          <a:p>
+            <a:pPr indent="-349250" lvl="0" marL="457200" rtl="0" algn="l">
+              <a:spcBef>
+                <a:spcPts val="0"/>
+              </a:spcBef>
+              <a:spcAft>
+                <a:spcPts val="0"/>
+              </a:spcAft>
+              <a:buSzPts val="1900"/>
+              <a:buFont typeface="Book Antiqua"/>
+              <a:buChar char="●"/>
+            </a:pPr>
+            <a:r>
+              <a:rPr b="1" lang="en-US" sz="1900">
+                <a:latin typeface="Book Antiqua"/>
+                <a:ea typeface="Book Antiqua"/>
+                <a:cs typeface="Book Antiqua"/>
+                <a:sym typeface="Book Antiqua"/>
+              </a:rPr>
+              <a:t>Output:</a:t>
+            </a:r>
+            <a:r>
+              <a:rPr lang="en-US" sz="1900">
+                <a:latin typeface="Book Antiqua"/>
+                <a:ea typeface="Book Antiqua"/>
+                <a:cs typeface="Book Antiqua"/>
+                <a:sym typeface="Book Antiqua"/>
+              </a:rPr>
+              <a:t> the cluster(s) that have the same first x features as those of the input player;</a:t>
+            </a:r>
+            <a:endParaRPr sz="1900">
+              <a:latin typeface="Book Antiqua"/>
+              <a:ea typeface="Book Antiqua"/>
+              <a:cs typeface="Book Antiqua"/>
+              <a:sym typeface="Book Antiqua"/>
+            </a:endParaRPr>
+          </a:p>
+        </p:txBody>
+      </p:sp>
+    </p:spTree>
+  </p:cSld>
+  <p:clrMapOvr>
+    <a:masterClrMapping/>
+  </p:clrMapOvr>
+</p:sld>
+</file>
+
+<file path=ppt/slides/slide34.xml><?xml version="1.0" encoding="utf-8"?>
+<p:sld xmlns:a="http://schemas.openxmlformats.org/drawingml/2006/main" xmlns:r="http://schemas.openxmlformats.org/officeDocument/2006/relationships" xmlns:mc="http://schemas.openxmlformats.org/markup-compatibility/2006" xmlns:mv="urn:schemas-microsoft-com:mac:vml" xmlns:p="http://schemas.openxmlformats.org/presentationml/2006/main" xmlns:c="http://schemas.openxmlformats.org/drawingml/2006/chart" xmlns:dgm="http://schemas.openxmlformats.org/drawingml/2006/diagram" xmlns:o="urn:schemas-microsoft-com:office:office" xmlns:v="urn:schemas-microsoft-com:vml" xmlns:pvml="urn:schemas-microsoft-com:office:powerpoint" xmlns:com="http://schemas.openxmlformats.org/drawingml/2006/compatibility" xmlns:p14="http://schemas.microsoft.com/office/powerpoint/2010/main" xmlns:p15="http://schemas.microsoft.com/office/powerpoint/2012/main" xmlns:ahyp="http://schemas.microsoft.com/office/drawing/2018/hyperlinkcolor">
+  <p:cSld>
+    <p:spTree>
+      <p:nvGrpSpPr>
+        <p:cNvPr id="309" name="Shape 309"/>
+        <p:cNvGrpSpPr/>
+        <p:nvPr/>
+      </p:nvGrpSpPr>
+      <p:grpSpPr>
+        <a:xfrm>
+          <a:off x="0" y="0"/>
+          <a:ext cx="0" cy="0"/>
+          <a:chOff x="0" y="0"/>
+          <a:chExt cx="0" cy="0"/>
+        </a:xfrm>
+      </p:grpSpPr>
+      <p:sp>
+        <p:nvSpPr>
+          <p:cNvPr id="310" name="Google Shape;310;p49"/>
+          <p:cNvSpPr txBox="1"/>
+          <p:nvPr>
+            <p:ph type="ctrTitle"/>
+          </p:nvPr>
+        </p:nvSpPr>
+        <p:spPr>
+          <a:xfrm>
+            <a:off x="587975" y="1078200"/>
+            <a:ext cx="7772400" cy="467400"/>
+          </a:xfrm>
+          <a:prstGeom prst="rect">
+            <a:avLst/>
+          </a:prstGeom>
+          <a:noFill/>
+          <a:ln>
+            <a:noFill/>
+          </a:ln>
+        </p:spPr>
+        <p:txBody>
+          <a:bodyPr anchorCtr="0" anchor="t" bIns="45700" lIns="91425" spcFirstLastPara="1" rIns="91425" wrap="square" tIns="45700">
+            <a:noAutofit/>
+          </a:bodyPr>
+          <a:lstStyle/>
+          <a:p>
+            <a:pPr indent="0" lvl="0" marL="0" rtl="0" algn="l">
+              <a:lnSpc>
+                <a:spcPct val="100000"/>
+              </a:lnSpc>
+              <a:spcBef>
+                <a:spcPts val="0"/>
+              </a:spcBef>
+              <a:spcAft>
+                <a:spcPts val="0"/>
+              </a:spcAft>
+              <a:buClr>
+                <a:srgbClr val="822433"/>
+              </a:buClr>
+              <a:buSzPts val="2400"/>
+              <a:buFont typeface="Calibri"/>
+              <a:buNone/>
+            </a:pPr>
+            <a:r>
+              <a:rPr lang="en-US" sz="3000">
+                <a:latin typeface="Book Antiqua"/>
+                <a:ea typeface="Book Antiqua"/>
+                <a:cs typeface="Book Antiqua"/>
+                <a:sym typeface="Book Antiqua"/>
+              </a:rPr>
+              <a:t>Second scouting algorithm (2)</a:t>
+            </a:r>
+            <a:endParaRPr sz="3000">
+              <a:latin typeface="Book Antiqua"/>
+              <a:ea typeface="Book Antiqua"/>
+              <a:cs typeface="Book Antiqua"/>
+              <a:sym typeface="Book Antiqua"/>
+            </a:endParaRPr>
+          </a:p>
+        </p:txBody>
+      </p:sp>
+      <p:sp>
+        <p:nvSpPr>
+          <p:cNvPr id="311" name="Google Shape;311;p49"/>
           <p:cNvSpPr txBox="1"/>
           <p:nvPr/>
         </p:nvSpPr>
@@ -21095,12 +21315,12 @@
 </p:sld>
 </file>
 
-<file path=ppt/slides/slide34.xml><?xml version="1.0" encoding="utf-8"?>
+<file path=ppt/slides/slide35.xml><?xml version="1.0" encoding="utf-8"?>
 <p:sld xmlns:a="http://schemas.openxmlformats.org/drawingml/2006/main" xmlns:r="http://schemas.openxmlformats.org/officeDocument/2006/relationships" xmlns:mc="http://schemas.openxmlformats.org/markup-compatibility/2006" xmlns:mv="urn:schemas-microsoft-com:mac:vml" xmlns:p="http://schemas.openxmlformats.org/presentationml/2006/main" xmlns:c="http://schemas.openxmlformats.org/drawingml/2006/chart" xmlns:dgm="http://schemas.openxmlformats.org/drawingml/2006/diagram" xmlns:o="urn:schemas-microsoft-com:office:office" xmlns:v="urn:schemas-microsoft-com:vml" xmlns:pvml="urn:schemas-microsoft-com:office:powerpoint" xmlns:com="http://schemas.openxmlformats.org/drawingml/2006/compatibility" xmlns:p14="http://schemas.microsoft.com/office/powerpoint/2010/main" xmlns:p15="http://schemas.microsoft.com/office/powerpoint/2012/main" xmlns:ahyp="http://schemas.microsoft.com/office/drawing/2018/hyperlinkcolor">
   <p:cSld>
     <p:spTree>
       <p:nvGrpSpPr>
-        <p:cNvPr id="310" name="Shape 310"/>
+        <p:cNvPr id="316" name="Shape 316"/>
         <p:cNvGrpSpPr/>
         <p:nvPr/>
       </p:nvGrpSpPr>
@@ -21114,7 +21334,7 @@
       </p:grpSpPr>
       <p:sp>
         <p:nvSpPr>
-          <p:cNvPr id="311" name="Google Shape;311;p49"/>
+          <p:cNvPr id="317" name="Google Shape;317;p50"/>
           <p:cNvSpPr/>
           <p:nvPr/>
         </p:nvSpPr>
@@ -21179,7 +21399,7 @@
       </p:sp>
       <p:grpSp>
         <p:nvGrpSpPr>
-          <p:cNvPr id="312" name="Google Shape;312;p49"/>
+          <p:cNvPr id="318" name="Google Shape;318;p50"/>
           <p:cNvGrpSpPr/>
           <p:nvPr/>
         </p:nvGrpSpPr>
@@ -21193,7 +21413,7 @@
         </p:grpSpPr>
         <p:pic>
           <p:nvPicPr>
-            <p:cNvPr descr="Fondino" id="313" name="Google Shape;313;p49"/>
+            <p:cNvPr descr="Fondino" id="319" name="Google Shape;319;p50"/>
             <p:cNvPicPr preferRelativeResize="0"/>
             <p:nvPr/>
           </p:nvPicPr>
@@ -21220,7 +21440,7 @@
         </p:pic>
         <p:pic>
           <p:nvPicPr>
-            <p:cNvPr descr="logo +marchio" id="314" name="Google Shape;314;p49"/>
+            <p:cNvPr descr="logo +marchio" id="320" name="Google Shape;320;p50"/>
             <p:cNvPicPr preferRelativeResize="0"/>
             <p:nvPr/>
           </p:nvPicPr>
@@ -21247,7 +21467,7 @@
         </p:pic>
         <p:pic>
           <p:nvPicPr>
-            <p:cNvPr descr="fascia" id="315" name="Google Shape;315;p49"/>
+            <p:cNvPr descr="fascia" id="321" name="Google Shape;321;p50"/>
             <p:cNvPicPr preferRelativeResize="0"/>
             <p:nvPr/>
           </p:nvPicPr>
@@ -21275,7 +21495,7 @@
       </p:grpSp>
       <p:sp>
         <p:nvSpPr>
-          <p:cNvPr id="316" name="Google Shape;316;p49"/>
+          <p:cNvPr id="322" name="Google Shape;322;p50"/>
           <p:cNvSpPr txBox="1"/>
           <p:nvPr/>
         </p:nvSpPr>
@@ -21333,7 +21553,7 @@
       </p:sp>
       <p:pic>
         <p:nvPicPr>
-          <p:cNvPr id="317" name="Google Shape;317;p49"/>
+          <p:cNvPr id="323" name="Google Shape;323;p50"/>
           <p:cNvPicPr preferRelativeResize="0"/>
           <p:nvPr/>
         </p:nvPicPr>
@@ -22798,6 +23018,285 @@
 </file>
 
 <file path=ppt/theme/theme1.xml><?xml version="1.0" encoding="utf-8"?>
+<a:theme xmlns:a="http://schemas.openxmlformats.org/drawingml/2006/main" xmlns:r="http://schemas.openxmlformats.org/officeDocument/2006/relationships" name="Default Theme">
+  <a:themeElements>
+    <a:clrScheme name="">
+      <a:dk1>
+        <a:srgbClr val="822433"/>
+      </a:dk1>
+      <a:lt1>
+        <a:srgbClr val="FFFFFF"/>
+      </a:lt1>
+      <a:dk2>
+        <a:srgbClr val="822433"/>
+      </a:dk2>
+      <a:lt2>
+        <a:srgbClr val="808080"/>
+      </a:lt2>
+      <a:accent1>
+        <a:srgbClr val="BBE0E3"/>
+      </a:accent1>
+      <a:accent2>
+        <a:srgbClr val="FFFF00"/>
+      </a:accent2>
+      <a:accent3>
+        <a:srgbClr val="FFFFFF"/>
+      </a:accent3>
+      <a:accent4>
+        <a:srgbClr val="6E1D2A"/>
+      </a:accent4>
+      <a:accent5>
+        <a:srgbClr val="DAEDEF"/>
+      </a:accent5>
+      <a:accent6>
+        <a:srgbClr val="E7E700"/>
+      </a:accent6>
+      <a:hlink>
+        <a:srgbClr val="0000FF"/>
+      </a:hlink>
+      <a:folHlink>
+        <a:srgbClr val="FF0000"/>
+      </a:folHlink>
+    </a:clrScheme>
+    <a:fontScheme name="Office">
+      <a:majorFont>
+        <a:latin typeface="Arial"/>
+        <a:ea typeface=""/>
+        <a:cs typeface=""/>
+        <a:font script="Jpan" typeface="ＭＳ Ｐゴシック"/>
+        <a:font script="Hang" typeface="맑은 고딕"/>
+        <a:font script="Hans" typeface="宋体"/>
+        <a:font script="Hant" typeface="新細明體"/>
+        <a:font script="Arab" typeface="Times New Roman"/>
+        <a:font script="Hebr" typeface="Times New Roman"/>
+        <a:font script="Thai" typeface="Angsana New"/>
+        <a:font script="Ethi" typeface="Nyala"/>
+        <a:font script="Beng" typeface="Vrinda"/>
+        <a:font script="Gujr" typeface="Shruti"/>
+        <a:font script="Khmr" typeface="MoolBoran"/>
+        <a:font script="Knda" typeface="Tunga"/>
+        <a:font script="Guru" typeface="Raavi"/>
+        <a:font script="Cans" typeface="Euphemia"/>
+        <a:font script="Cher" typeface="Plantagenet Cherokee"/>
+        <a:font script="Yiii" typeface="Microsoft Yi Baiti"/>
+        <a:font script="Tibt" typeface="Microsoft Himalaya"/>
+        <a:font script="Thaa" typeface="MV Boli"/>
+        <a:font script="Deva" typeface="Mangal"/>
+        <a:font script="Telu" typeface="Gautami"/>
+        <a:font script="Taml" typeface="Latha"/>
+        <a:font script="Syrc" typeface="Estrangelo Edessa"/>
+        <a:font script="Orya" typeface="Kalinga"/>
+        <a:font script="Mlym" typeface="Kartika"/>
+        <a:font script="Laoo" typeface="DokChampa"/>
+        <a:font script="Sinh" typeface="Iskoola Pota"/>
+        <a:font script="Mong" typeface="Mongolian Baiti"/>
+        <a:font script="Viet" typeface="Times New Roman"/>
+        <a:font script="Uigh" typeface="Microsoft Uighur"/>
+        <a:font script="Geor" typeface="Sylfaen"/>
+      </a:majorFont>
+      <a:minorFont>
+        <a:latin typeface="Arial"/>
+        <a:ea typeface=""/>
+        <a:cs typeface=""/>
+        <a:font script="Jpan" typeface="ＭＳ Ｐゴシック"/>
+        <a:font script="Hang" typeface="맑은 고딕"/>
+        <a:font script="Hans" typeface="宋体"/>
+        <a:font script="Hant" typeface="新細明體"/>
+        <a:font script="Arab" typeface="Arial"/>
+        <a:font script="Hebr" typeface="Arial"/>
+        <a:font script="Thai" typeface="Cordia New"/>
+        <a:font script="Ethi" typeface="Nyala"/>
+        <a:font script="Beng" typeface="Vrinda"/>
+        <a:font script="Gujr" typeface="Shruti"/>
+        <a:font script="Khmr" typeface="DaunPenh"/>
+        <a:font script="Knda" typeface="Tunga"/>
+        <a:font script="Guru" typeface="Raavi"/>
+        <a:font script="Cans" typeface="Euphemia"/>
+        <a:font script="Cher" typeface="Plantagenet Cherokee"/>
+        <a:font script="Yiii" typeface="Microsoft Yi Baiti"/>
+        <a:font script="Tibt" typeface="Microsoft Himalaya"/>
+        <a:font script="Thaa" typeface="MV Boli"/>
+        <a:font script="Deva" typeface="Mangal"/>
+        <a:font script="Telu" typeface="Gautami"/>
+        <a:font script="Taml" typeface="Latha"/>
+        <a:font script="Syrc" typeface="Estrangelo Edessa"/>
+        <a:font script="Orya" typeface="Kalinga"/>
+        <a:font script="Mlym" typeface="Kartika"/>
+        <a:font script="Laoo" typeface="DokChampa"/>
+        <a:font script="Sinh" typeface="Iskoola Pota"/>
+        <a:font script="Mong" typeface="Mongolian Baiti"/>
+        <a:font script="Viet" typeface="Arial"/>
+        <a:font script="Uigh" typeface="Microsoft Uighur"/>
+        <a:font script="Geor" typeface="Sylfaen"/>
+      </a:minorFont>
+    </a:fontScheme>
+    <a:fmtScheme name="Office">
+      <a:fillStyleLst>
+        <a:solidFill>
+          <a:schemeClr val="phClr"/>
+        </a:solidFill>
+        <a:gradFill rotWithShape="1">
+          <a:gsLst>
+            <a:gs pos="0">
+              <a:schemeClr val="phClr">
+                <a:tint val="50000"/>
+                <a:satMod val="300000"/>
+              </a:schemeClr>
+            </a:gs>
+            <a:gs pos="35000">
+              <a:schemeClr val="phClr">
+                <a:tint val="37000"/>
+                <a:satMod val="300000"/>
+              </a:schemeClr>
+            </a:gs>
+            <a:gs pos="100000">
+              <a:schemeClr val="phClr">
+                <a:tint val="15000"/>
+                <a:satMod val="350000"/>
+              </a:schemeClr>
+            </a:gs>
+          </a:gsLst>
+          <a:lin ang="16200000" scaled="1"/>
+        </a:gradFill>
+        <a:gradFill rotWithShape="1">
+          <a:gsLst>
+            <a:gs pos="0">
+              <a:schemeClr val="phClr">
+                <a:tint val="100000"/>
+                <a:shade val="100000"/>
+                <a:satMod val="130000"/>
+              </a:schemeClr>
+            </a:gs>
+            <a:gs pos="100000">
+              <a:schemeClr val="phClr">
+                <a:tint val="50000"/>
+                <a:shade val="100000"/>
+                <a:satMod val="350000"/>
+              </a:schemeClr>
+            </a:gs>
+          </a:gsLst>
+          <a:lin ang="16200000" scaled="0"/>
+        </a:gradFill>
+      </a:fillStyleLst>
+      <a:lnStyleLst>
+        <a:ln w="9525" cap="flat" cmpd="sng" algn="ctr">
+          <a:solidFill>
+            <a:schemeClr val="phClr">
+              <a:shade val="95000"/>
+              <a:satMod val="105000"/>
+            </a:schemeClr>
+          </a:solidFill>
+          <a:prstDash val="solid"/>
+        </a:ln>
+        <a:ln w="25400" cap="flat" cmpd="sng" algn="ctr">
+          <a:solidFill>
+            <a:schemeClr val="phClr"/>
+          </a:solidFill>
+          <a:prstDash val="solid"/>
+        </a:ln>
+        <a:ln w="38100" cap="flat" cmpd="sng" algn="ctr">
+          <a:solidFill>
+            <a:schemeClr val="phClr"/>
+          </a:solidFill>
+          <a:prstDash val="solid"/>
+        </a:ln>
+      </a:lnStyleLst>
+      <a:effectStyleLst>
+        <a:effectStyle>
+          <a:effectLst>
+            <a:outerShdw blurRad="40000" dist="20000" dir="5400000" rotWithShape="0">
+              <a:srgbClr val="000000">
+                <a:alpha val="38000"/>
+              </a:srgbClr>
+            </a:outerShdw>
+          </a:effectLst>
+        </a:effectStyle>
+        <a:effectStyle>
+          <a:effectLst>
+            <a:outerShdw blurRad="40000" dist="23000" dir="5400000" rotWithShape="0">
+              <a:srgbClr val="000000">
+                <a:alpha val="35000"/>
+              </a:srgbClr>
+            </a:outerShdw>
+          </a:effectLst>
+        </a:effectStyle>
+        <a:effectStyle>
+          <a:effectLst>
+            <a:outerShdw blurRad="40000" dist="23000" dir="5400000" rotWithShape="0">
+              <a:srgbClr val="000000">
+                <a:alpha val="35000"/>
+              </a:srgbClr>
+            </a:outerShdw>
+          </a:effectLst>
+          <a:scene3d>
+            <a:camera prst="orthographicFront">
+              <a:rot lat="0" lon="0" rev="0"/>
+            </a:camera>
+            <a:lightRig rig="threePt" dir="t">
+              <a:rot lat="0" lon="0" rev="1200000"/>
+            </a:lightRig>
+          </a:scene3d>
+          <a:sp3d>
+            <a:bevelT w="63500" h="25400"/>
+          </a:sp3d>
+        </a:effectStyle>
+      </a:effectStyleLst>
+      <a:bgFillStyleLst>
+        <a:solidFill>
+          <a:schemeClr val="phClr"/>
+        </a:solidFill>
+        <a:gradFill rotWithShape="1">
+          <a:gsLst>
+            <a:gs pos="0">
+              <a:schemeClr val="phClr">
+                <a:tint val="40000"/>
+                <a:satMod val="350000"/>
+              </a:schemeClr>
+            </a:gs>
+            <a:gs pos="40000">
+              <a:schemeClr val="phClr">
+                <a:tint val="45000"/>
+                <a:shade val="99000"/>
+                <a:satMod val="350000"/>
+              </a:schemeClr>
+            </a:gs>
+            <a:gs pos="100000">
+              <a:schemeClr val="phClr">
+                <a:shade val="20000"/>
+                <a:satMod val="255000"/>
+              </a:schemeClr>
+            </a:gs>
+          </a:gsLst>
+          <a:path path="circle">
+            <a:fillToRect l="50000" t="-80000" r="50000" b="180000"/>
+          </a:path>
+        </a:gradFill>
+        <a:gradFill rotWithShape="1">
+          <a:gsLst>
+            <a:gs pos="0">
+              <a:schemeClr val="phClr">
+                <a:tint val="80000"/>
+                <a:satMod val="300000"/>
+              </a:schemeClr>
+            </a:gs>
+            <a:gs pos="100000">
+              <a:schemeClr val="phClr">
+                <a:shade val="30000"/>
+                <a:satMod val="200000"/>
+              </a:schemeClr>
+            </a:gs>
+          </a:gsLst>
+          <a:path path="circle">
+            <a:fillToRect l="50000" t="50000" r="50000" b="50000"/>
+          </a:path>
+        </a:gradFill>
+      </a:bgFillStyleLst>
+    </a:fmtScheme>
+  </a:themeElements>
+</a:theme>
+</file>
+
+<file path=ppt/theme/theme2.xml><?xml version="1.0" encoding="utf-8"?>
 <a:theme xmlns:a="http://schemas.openxmlformats.org/drawingml/2006/main" xmlns:r="http://schemas.openxmlformats.org/officeDocument/2006/relationships">
   <a:themeElements>
     <a:clrScheme name="Default">
@@ -23074,283 +23573,4 @@
     </a:fmtScheme>
   </a:themeElements>
 </a:theme>
-</file>
-
-<file path=ppt/theme/theme2.xml><?xml version="1.0" encoding="utf-8"?>
-<a:theme xmlns:a="http://schemas.openxmlformats.org/drawingml/2006/main" xmlns:r="http://schemas.openxmlformats.org/officeDocument/2006/relationships" name="Default Theme">
-  <a:themeElements>
-    <a:clrScheme name="">
-      <a:dk1>
-        <a:srgbClr val="822433"/>
-      </a:dk1>
-      <a:lt1>
-        <a:srgbClr val="FFFFFF"/>
-      </a:lt1>
-      <a:dk2>
-        <a:srgbClr val="822433"/>
-      </a:dk2>
-      <a:lt2>
-        <a:srgbClr val="808080"/>
-      </a:lt2>
-      <a:accent1>
-        <a:srgbClr val="BBE0E3"/>
-      </a:accent1>
-      <a:accent2>
-        <a:srgbClr val="FFFF00"/>
-      </a:accent2>
-      <a:accent3>
-        <a:srgbClr val="FFFFFF"/>
-      </a:accent3>
-      <a:accent4>
-        <a:srgbClr val="6E1D2A"/>
-      </a:accent4>
-      <a:accent5>
-        <a:srgbClr val="DAEDEF"/>
-      </a:accent5>
-      <a:accent6>
-        <a:srgbClr val="E7E700"/>
-      </a:accent6>
-      <a:hlink>
-        <a:srgbClr val="0000FF"/>
-      </a:hlink>
-      <a:folHlink>
-        <a:srgbClr val="FF0000"/>
-      </a:folHlink>
-    </a:clrScheme>
-    <a:fontScheme name="Office">
-      <a:majorFont>
-        <a:latin typeface="Arial"/>
-        <a:ea typeface=""/>
-        <a:cs typeface=""/>
-        <a:font script="Jpan" typeface="ＭＳ Ｐゴシック"/>
-        <a:font script="Hang" typeface="맑은 고딕"/>
-        <a:font script="Hans" typeface="宋体"/>
-        <a:font script="Hant" typeface="新細明體"/>
-        <a:font script="Arab" typeface="Times New Roman"/>
-        <a:font script="Hebr" typeface="Times New Roman"/>
-        <a:font script="Thai" typeface="Angsana New"/>
-        <a:font script="Ethi" typeface="Nyala"/>
-        <a:font script="Beng" typeface="Vrinda"/>
-        <a:font script="Gujr" typeface="Shruti"/>
-        <a:font script="Khmr" typeface="MoolBoran"/>
-        <a:font script="Knda" typeface="Tunga"/>
-        <a:font script="Guru" typeface="Raavi"/>
-        <a:font script="Cans" typeface="Euphemia"/>
-        <a:font script="Cher" typeface="Plantagenet Cherokee"/>
-        <a:font script="Yiii" typeface="Microsoft Yi Baiti"/>
-        <a:font script="Tibt" typeface="Microsoft Himalaya"/>
-        <a:font script="Thaa" typeface="MV Boli"/>
-        <a:font script="Deva" typeface="Mangal"/>
-        <a:font script="Telu" typeface="Gautami"/>
-        <a:font script="Taml" typeface="Latha"/>
-        <a:font script="Syrc" typeface="Estrangelo Edessa"/>
-        <a:font script="Orya" typeface="Kalinga"/>
-        <a:font script="Mlym" typeface="Kartika"/>
-        <a:font script="Laoo" typeface="DokChampa"/>
-        <a:font script="Sinh" typeface="Iskoola Pota"/>
-        <a:font script="Mong" typeface="Mongolian Baiti"/>
-        <a:font script="Viet" typeface="Times New Roman"/>
-        <a:font script="Uigh" typeface="Microsoft Uighur"/>
-        <a:font script="Geor" typeface="Sylfaen"/>
-      </a:majorFont>
-      <a:minorFont>
-        <a:latin typeface="Arial"/>
-        <a:ea typeface=""/>
-        <a:cs typeface=""/>
-        <a:font script="Jpan" typeface="ＭＳ Ｐゴシック"/>
-        <a:font script="Hang" typeface="맑은 고딕"/>
-        <a:font script="Hans" typeface="宋体"/>
-        <a:font script="Hant" typeface="新細明體"/>
-        <a:font script="Arab" typeface="Arial"/>
-        <a:font script="Hebr" typeface="Arial"/>
-        <a:font script="Thai" typeface="Cordia New"/>
-        <a:font script="Ethi" typeface="Nyala"/>
-        <a:font script="Beng" typeface="Vrinda"/>
-        <a:font script="Gujr" typeface="Shruti"/>
-        <a:font script="Khmr" typeface="DaunPenh"/>
-        <a:font script="Knda" typeface="Tunga"/>
-        <a:font script="Guru" typeface="Raavi"/>
-        <a:font script="Cans" typeface="Euphemia"/>
-        <a:font script="Cher" typeface="Plantagenet Cherokee"/>
-        <a:font script="Yiii" typeface="Microsoft Yi Baiti"/>
-        <a:font script="Tibt" typeface="Microsoft Himalaya"/>
-        <a:font script="Thaa" typeface="MV Boli"/>
-        <a:font script="Deva" typeface="Mangal"/>
-        <a:font script="Telu" typeface="Gautami"/>
-        <a:font script="Taml" typeface="Latha"/>
-        <a:font script="Syrc" typeface="Estrangelo Edessa"/>
-        <a:font script="Orya" typeface="Kalinga"/>
-        <a:font script="Mlym" typeface="Kartika"/>
-        <a:font script="Laoo" typeface="DokChampa"/>
-        <a:font script="Sinh" typeface="Iskoola Pota"/>
-        <a:font script="Mong" typeface="Mongolian Baiti"/>
-        <a:font script="Viet" typeface="Arial"/>
-        <a:font script="Uigh" typeface="Microsoft Uighur"/>
-        <a:font script="Geor" typeface="Sylfaen"/>
-      </a:minorFont>
-    </a:fontScheme>
-    <a:fmtScheme name="Office">
-      <a:fillStyleLst>
-        <a:solidFill>
-          <a:schemeClr val="phClr"/>
-        </a:solidFill>
-        <a:gradFill rotWithShape="1">
-          <a:gsLst>
-            <a:gs pos="0">
-              <a:schemeClr val="phClr">
-                <a:tint val="50000"/>
-                <a:satMod val="300000"/>
-              </a:schemeClr>
-            </a:gs>
-            <a:gs pos="35000">
-              <a:schemeClr val="phClr">
-                <a:tint val="37000"/>
-                <a:satMod val="300000"/>
-              </a:schemeClr>
-            </a:gs>
-            <a:gs pos="100000">
-              <a:schemeClr val="phClr">
-                <a:tint val="15000"/>
-                <a:satMod val="350000"/>
-              </a:schemeClr>
-            </a:gs>
-          </a:gsLst>
-          <a:lin ang="16200000" scaled="1"/>
-        </a:gradFill>
-        <a:gradFill rotWithShape="1">
-          <a:gsLst>
-            <a:gs pos="0">
-              <a:schemeClr val="phClr">
-                <a:tint val="100000"/>
-                <a:shade val="100000"/>
-                <a:satMod val="130000"/>
-              </a:schemeClr>
-            </a:gs>
-            <a:gs pos="100000">
-              <a:schemeClr val="phClr">
-                <a:tint val="50000"/>
-                <a:shade val="100000"/>
-                <a:satMod val="350000"/>
-              </a:schemeClr>
-            </a:gs>
-          </a:gsLst>
-          <a:lin ang="16200000" scaled="0"/>
-        </a:gradFill>
-      </a:fillStyleLst>
-      <a:lnStyleLst>
-        <a:ln w="9525" cap="flat" cmpd="sng" algn="ctr">
-          <a:solidFill>
-            <a:schemeClr val="phClr">
-              <a:shade val="95000"/>
-              <a:satMod val="105000"/>
-            </a:schemeClr>
-          </a:solidFill>
-          <a:prstDash val="solid"/>
-        </a:ln>
-        <a:ln w="25400" cap="flat" cmpd="sng" algn="ctr">
-          <a:solidFill>
-            <a:schemeClr val="phClr"/>
-          </a:solidFill>
-          <a:prstDash val="solid"/>
-        </a:ln>
-        <a:ln w="38100" cap="flat" cmpd="sng" algn="ctr">
-          <a:solidFill>
-            <a:schemeClr val="phClr"/>
-          </a:solidFill>
-          <a:prstDash val="solid"/>
-        </a:ln>
-      </a:lnStyleLst>
-      <a:effectStyleLst>
-        <a:effectStyle>
-          <a:effectLst>
-            <a:outerShdw blurRad="40000" dist="20000" dir="5400000" rotWithShape="0">
-              <a:srgbClr val="000000">
-                <a:alpha val="38000"/>
-              </a:srgbClr>
-            </a:outerShdw>
-          </a:effectLst>
-        </a:effectStyle>
-        <a:effectStyle>
-          <a:effectLst>
-            <a:outerShdw blurRad="40000" dist="23000" dir="5400000" rotWithShape="0">
-              <a:srgbClr val="000000">
-                <a:alpha val="35000"/>
-              </a:srgbClr>
-            </a:outerShdw>
-          </a:effectLst>
-        </a:effectStyle>
-        <a:effectStyle>
-          <a:effectLst>
-            <a:outerShdw blurRad="40000" dist="23000" dir="5400000" rotWithShape="0">
-              <a:srgbClr val="000000">
-                <a:alpha val="35000"/>
-              </a:srgbClr>
-            </a:outerShdw>
-          </a:effectLst>
-          <a:scene3d>
-            <a:camera prst="orthographicFront">
-              <a:rot lat="0" lon="0" rev="0"/>
-            </a:camera>
-            <a:lightRig rig="threePt" dir="t">
-              <a:rot lat="0" lon="0" rev="1200000"/>
-            </a:lightRig>
-          </a:scene3d>
-          <a:sp3d>
-            <a:bevelT w="63500" h="25400"/>
-          </a:sp3d>
-        </a:effectStyle>
-      </a:effectStyleLst>
-      <a:bgFillStyleLst>
-        <a:solidFill>
-          <a:schemeClr val="phClr"/>
-        </a:solidFill>
-        <a:gradFill rotWithShape="1">
-          <a:gsLst>
-            <a:gs pos="0">
-              <a:schemeClr val="phClr">
-                <a:tint val="40000"/>
-                <a:satMod val="350000"/>
-              </a:schemeClr>
-            </a:gs>
-            <a:gs pos="40000">
-              <a:schemeClr val="phClr">
-                <a:tint val="45000"/>
-                <a:shade val="99000"/>
-                <a:satMod val="350000"/>
-              </a:schemeClr>
-            </a:gs>
-            <a:gs pos="100000">
-              <a:schemeClr val="phClr">
-                <a:shade val="20000"/>
-                <a:satMod val="255000"/>
-              </a:schemeClr>
-            </a:gs>
-          </a:gsLst>
-          <a:path path="circle">
-            <a:fillToRect l="50000" t="-80000" r="50000" b="180000"/>
-          </a:path>
-        </a:gradFill>
-        <a:gradFill rotWithShape="1">
-          <a:gsLst>
-            <a:gs pos="0">
-              <a:schemeClr val="phClr">
-                <a:tint val="80000"/>
-                <a:satMod val="300000"/>
-              </a:schemeClr>
-            </a:gs>
-            <a:gs pos="100000">
-              <a:schemeClr val="phClr">
-                <a:shade val="30000"/>
-                <a:satMod val="200000"/>
-              </a:schemeClr>
-            </a:gs>
-          </a:gsLst>
-          <a:path path="circle">
-            <a:fillToRect l="50000" t="50000" r="50000" b="50000"/>
-          </a:path>
-        </a:gradFill>
-      </a:bgFillStyleLst>
-    </a:fmtScheme>
-  </a:themeElements>
-</a:theme>
 </file>